--- a/Presentation1.pptx
+++ b/Presentation1.pptx
@@ -6,6 +6,9 @@
   </p:sldMasterIdLst>
   <p:sldIdLst>
     <p:sldId id="256" r:id="rId2"/>
+    <p:sldId id="257" r:id="rId3"/>
+    <p:sldId id="259" r:id="rId4"/>
+    <p:sldId id="258" r:id="rId5"/>
   </p:sldIdLst>
   <p:sldSz cx="12192000" cy="6858000"/>
   <p:notesSz cx="6858000" cy="9144000"/>
@@ -104,6 +107,11 @@
       </a:defRPr>
     </a:lvl9pPr>
   </p:defaultTextStyle>
+  <p:extLst>
+    <p:ext uri="{EFAFB233-063F-42B5-8137-9DF3F51BA10A}">
+      <p15:sldGuideLst xmlns:p15="http://schemas.microsoft.com/office/powerpoint/2012/main"/>
+    </p:ext>
+  </p:extLst>
 </p:presentation>
 </file>
 
@@ -238,7 +246,7 @@
           <a:p>
             <a:fld id="{DDD6B16B-B916-4188-862B-21812FEF407D}" type="datetimeFigureOut">
               <a:rPr lang="en-US" smtClean="0"/>
-              <a:t>10/30/2014</a:t>
+              <a:t>8/25/2015</a:t>
             </a:fld>
             <a:endParaRPr lang="en-US"/>
           </a:p>
@@ -408,7 +416,7 @@
           <a:p>
             <a:fld id="{DDD6B16B-B916-4188-862B-21812FEF407D}" type="datetimeFigureOut">
               <a:rPr lang="en-US" smtClean="0"/>
-              <a:t>10/30/2014</a:t>
+              <a:t>8/25/2015</a:t>
             </a:fld>
             <a:endParaRPr lang="en-US"/>
           </a:p>
@@ -588,7 +596,7 @@
           <a:p>
             <a:fld id="{DDD6B16B-B916-4188-862B-21812FEF407D}" type="datetimeFigureOut">
               <a:rPr lang="en-US" smtClean="0"/>
-              <a:t>10/30/2014</a:t>
+              <a:t>8/25/2015</a:t>
             </a:fld>
             <a:endParaRPr lang="en-US"/>
           </a:p>
@@ -758,7 +766,7 @@
           <a:p>
             <a:fld id="{DDD6B16B-B916-4188-862B-21812FEF407D}" type="datetimeFigureOut">
               <a:rPr lang="en-US" smtClean="0"/>
-              <a:t>10/30/2014</a:t>
+              <a:t>8/25/2015</a:t>
             </a:fld>
             <a:endParaRPr lang="en-US"/>
           </a:p>
@@ -1004,7 +1012,7 @@
           <a:p>
             <a:fld id="{DDD6B16B-B916-4188-862B-21812FEF407D}" type="datetimeFigureOut">
               <a:rPr lang="en-US" smtClean="0"/>
-              <a:t>10/30/2014</a:t>
+              <a:t>8/25/2015</a:t>
             </a:fld>
             <a:endParaRPr lang="en-US"/>
           </a:p>
@@ -1236,7 +1244,7 @@
           <a:p>
             <a:fld id="{DDD6B16B-B916-4188-862B-21812FEF407D}" type="datetimeFigureOut">
               <a:rPr lang="en-US" smtClean="0"/>
-              <a:t>10/30/2014</a:t>
+              <a:t>8/25/2015</a:t>
             </a:fld>
             <a:endParaRPr lang="en-US"/>
           </a:p>
@@ -1603,7 +1611,7 @@
           <a:p>
             <a:fld id="{DDD6B16B-B916-4188-862B-21812FEF407D}" type="datetimeFigureOut">
               <a:rPr lang="en-US" smtClean="0"/>
-              <a:t>10/30/2014</a:t>
+              <a:t>8/25/2015</a:t>
             </a:fld>
             <a:endParaRPr lang="en-US"/>
           </a:p>
@@ -1721,7 +1729,7 @@
           <a:p>
             <a:fld id="{DDD6B16B-B916-4188-862B-21812FEF407D}" type="datetimeFigureOut">
               <a:rPr lang="en-US" smtClean="0"/>
-              <a:t>10/30/2014</a:t>
+              <a:t>8/25/2015</a:t>
             </a:fld>
             <a:endParaRPr lang="en-US"/>
           </a:p>
@@ -1816,7 +1824,7 @@
           <a:p>
             <a:fld id="{DDD6B16B-B916-4188-862B-21812FEF407D}" type="datetimeFigureOut">
               <a:rPr lang="en-US" smtClean="0"/>
-              <a:t>10/30/2014</a:t>
+              <a:t>8/25/2015</a:t>
             </a:fld>
             <a:endParaRPr lang="en-US"/>
           </a:p>
@@ -2093,7 +2101,7 @@
           <a:p>
             <a:fld id="{DDD6B16B-B916-4188-862B-21812FEF407D}" type="datetimeFigureOut">
               <a:rPr lang="en-US" smtClean="0"/>
-              <a:t>10/30/2014</a:t>
+              <a:t>8/25/2015</a:t>
             </a:fld>
             <a:endParaRPr lang="en-US"/>
           </a:p>
@@ -2346,7 +2354,7 @@
           <a:p>
             <a:fld id="{DDD6B16B-B916-4188-862B-21812FEF407D}" type="datetimeFigureOut">
               <a:rPr lang="en-US" smtClean="0"/>
-              <a:t>10/30/2014</a:t>
+              <a:t>8/25/2015</a:t>
             </a:fld>
             <a:endParaRPr lang="en-US"/>
           </a:p>
@@ -2559,7 +2567,7 @@
           <a:p>
             <a:fld id="{DDD6B16B-B916-4188-862B-21812FEF407D}" type="datetimeFigureOut">
               <a:rPr lang="en-US" smtClean="0"/>
-              <a:t>10/30/2014</a:t>
+              <a:t>8/25/2015</a:t>
             </a:fld>
             <a:endParaRPr lang="en-US"/>
           </a:p>
@@ -2972,7 +2980,7 @@
         </p:nvSpPr>
         <p:spPr>
           <a:xfrm>
-            <a:off x="2184400" y="1968500"/>
+            <a:off x="0" y="515257"/>
             <a:ext cx="1130300" cy="914400"/>
           </a:xfrm>
           <a:prstGeom prst="rect">
@@ -3016,7 +3024,7 @@
         </p:nvSpPr>
         <p:spPr>
           <a:xfrm>
-            <a:off x="5562600" y="1968500"/>
+            <a:off x="3378200" y="515257"/>
             <a:ext cx="1549400" cy="914400"/>
           </a:xfrm>
           <a:prstGeom prst="rect">
@@ -3060,7 +3068,7 @@
         </p:nvCxnSpPr>
         <p:spPr>
           <a:xfrm flipH="1">
-            <a:off x="3314700" y="1968500"/>
+            <a:off x="1130300" y="515257"/>
             <a:ext cx="2184400" cy="0"/>
           </a:xfrm>
           <a:prstGeom prst="straightConnector1">
@@ -3094,7 +3102,7 @@
         </p:nvCxnSpPr>
         <p:spPr>
           <a:xfrm flipH="1">
-            <a:off x="3314700" y="2882900"/>
+            <a:off x="1130300" y="1429657"/>
             <a:ext cx="2184400" cy="0"/>
           </a:xfrm>
           <a:prstGeom prst="straightConnector1">
@@ -3128,7 +3136,7 @@
         </p:nvSpPr>
         <p:spPr>
           <a:xfrm>
-            <a:off x="3118757" y="1453243"/>
+            <a:off x="934357" y="0"/>
             <a:ext cx="2895536" cy="369332"/>
           </a:xfrm>
           <a:prstGeom prst="rect">
@@ -3158,7 +3166,7 @@
         </p:nvSpPr>
         <p:spPr>
           <a:xfrm>
-            <a:off x="2520708" y="3028825"/>
+            <a:off x="336308" y="1575582"/>
             <a:ext cx="4091633" cy="369332"/>
           </a:xfrm>
           <a:prstGeom prst="rect">
@@ -3184,6 +3192,556 @@
     <p:extLst>
       <p:ext uri="{BB962C8B-B14F-4D97-AF65-F5344CB8AC3E}">
         <p14:creationId xmlns:p14="http://schemas.microsoft.com/office/powerpoint/2010/main" val="1380657927"/>
+      </p:ext>
+    </p:extLst>
+  </p:cSld>
+  <p:clrMapOvr>
+    <a:masterClrMapping/>
+  </p:clrMapOvr>
+</p:sld>
+</file>
+
+<file path=ppt/slides/slide2.xml><?xml version="1.0" encoding="utf-8"?>
+<p:sld xmlns:a="http://schemas.openxmlformats.org/drawingml/2006/main" xmlns:r="http://schemas.openxmlformats.org/officeDocument/2006/relationships" xmlns:p="http://schemas.openxmlformats.org/presentationml/2006/main">
+  <p:cSld>
+    <p:spTree>
+      <p:nvGrpSpPr>
+        <p:cNvPr id="1" name=""/>
+        <p:cNvGrpSpPr/>
+        <p:nvPr/>
+      </p:nvGrpSpPr>
+      <p:grpSpPr>
+        <a:xfrm>
+          <a:off x="0" y="0"/>
+          <a:ext cx="0" cy="0"/>
+          <a:chOff x="0" y="0"/>
+          <a:chExt cx="0" cy="0"/>
+        </a:xfrm>
+      </p:grpSpPr>
+      <p:sp>
+        <p:nvSpPr>
+          <p:cNvPr id="5" name="Rectangle 4"/>
+          <p:cNvSpPr/>
+          <p:nvPr/>
+        </p:nvSpPr>
+        <p:spPr>
+          <a:xfrm>
+            <a:off x="0" y="515257"/>
+            <a:ext cx="1130300" cy="914400"/>
+          </a:xfrm>
+          <a:prstGeom prst="rect">
+            <a:avLst/>
+          </a:prstGeom>
+        </p:spPr>
+        <p:style>
+          <a:lnRef idx="2">
+            <a:schemeClr val="accent1">
+              <a:shade val="50000"/>
+            </a:schemeClr>
+          </a:lnRef>
+          <a:fillRef idx="1">
+            <a:schemeClr val="accent1"/>
+          </a:fillRef>
+          <a:effectRef idx="0">
+            <a:schemeClr val="accent1"/>
+          </a:effectRef>
+          <a:fontRef idx="minor">
+            <a:schemeClr val="lt1"/>
+          </a:fontRef>
+        </p:style>
+        <p:txBody>
+          <a:bodyPr rtlCol="0" anchor="ctr"/>
+          <a:lstStyle/>
+          <a:p>
+            <a:pPr algn="ctr"/>
+            <a:r>
+              <a:rPr lang="en-US" dirty="0" smtClean="0"/>
+              <a:t>Client Web Browser</a:t>
+            </a:r>
+            <a:endParaRPr lang="en-US" dirty="0"/>
+          </a:p>
+        </p:txBody>
+      </p:sp>
+      <p:sp>
+        <p:nvSpPr>
+          <p:cNvPr id="6" name="Rectangle 5"/>
+          <p:cNvSpPr/>
+          <p:nvPr/>
+        </p:nvSpPr>
+        <p:spPr>
+          <a:xfrm>
+            <a:off x="3378200" y="515257"/>
+            <a:ext cx="1549400" cy="914400"/>
+          </a:xfrm>
+          <a:prstGeom prst="rect">
+            <a:avLst/>
+          </a:prstGeom>
+        </p:spPr>
+        <p:style>
+          <a:lnRef idx="2">
+            <a:schemeClr val="accent1">
+              <a:shade val="50000"/>
+            </a:schemeClr>
+          </a:lnRef>
+          <a:fillRef idx="1">
+            <a:schemeClr val="accent1"/>
+          </a:fillRef>
+          <a:effectRef idx="0">
+            <a:schemeClr val="accent1"/>
+          </a:effectRef>
+          <a:fontRef idx="minor">
+            <a:schemeClr val="lt1"/>
+          </a:fontRef>
+        </p:style>
+        <p:txBody>
+          <a:bodyPr rtlCol="0" anchor="ctr"/>
+          <a:lstStyle/>
+          <a:p>
+            <a:pPr algn="ctr"/>
+            <a:r>
+              <a:rPr lang="en-US" dirty="0" smtClean="0"/>
+              <a:t>Web Server Running Node.js</a:t>
+            </a:r>
+            <a:endParaRPr lang="en-US" dirty="0"/>
+          </a:p>
+        </p:txBody>
+      </p:sp>
+      <p:cxnSp>
+        <p:nvCxnSpPr>
+          <p:cNvPr id="8" name="Straight Arrow Connector 7"/>
+          <p:cNvCxnSpPr/>
+          <p:nvPr/>
+        </p:nvCxnSpPr>
+        <p:spPr>
+          <a:xfrm flipH="1">
+            <a:off x="1130300" y="515257"/>
+            <a:ext cx="2184400" cy="0"/>
+          </a:xfrm>
+          <a:prstGeom prst="straightConnector1">
+            <a:avLst/>
+          </a:prstGeom>
+          <a:ln w="50800">
+            <a:headEnd type="none" w="lg" len="lg"/>
+            <a:tailEnd type="triangle" w="lg" len="lg"/>
+          </a:ln>
+        </p:spPr>
+        <p:style>
+          <a:lnRef idx="1">
+            <a:schemeClr val="accent1"/>
+          </a:lnRef>
+          <a:fillRef idx="0">
+            <a:schemeClr val="accent1"/>
+          </a:fillRef>
+          <a:effectRef idx="0">
+            <a:schemeClr val="accent1"/>
+          </a:effectRef>
+          <a:fontRef idx="minor">
+            <a:schemeClr val="tx1"/>
+          </a:fontRef>
+        </p:style>
+      </p:cxnSp>
+      <p:sp>
+        <p:nvSpPr>
+          <p:cNvPr id="10" name="TextBox 9"/>
+          <p:cNvSpPr txBox="1"/>
+          <p:nvPr/>
+        </p:nvSpPr>
+        <p:spPr>
+          <a:xfrm>
+            <a:off x="470717" y="0"/>
+            <a:ext cx="3828036" cy="369332"/>
+          </a:xfrm>
+          <a:prstGeom prst="rect">
+            <a:avLst/>
+          </a:prstGeom>
+          <a:noFill/>
+        </p:spPr>
+        <p:txBody>
+          <a:bodyPr wrap="none" rtlCol="0">
+            <a:spAutoFit/>
+          </a:bodyPr>
+          <a:lstStyle/>
+          <a:p>
+            <a:r>
+              <a:rPr lang="en-US" dirty="0" smtClean="0"/>
+              <a:t>Client downloads CSV </a:t>
+            </a:r>
+            <a:r>
+              <a:rPr lang="en-US" dirty="0" smtClean="0"/>
+              <a:t>to populate map</a:t>
+            </a:r>
+            <a:endParaRPr lang="en-US" dirty="0"/>
+          </a:p>
+        </p:txBody>
+      </p:sp>
+    </p:spTree>
+    <p:extLst>
+      <p:ext uri="{BB962C8B-B14F-4D97-AF65-F5344CB8AC3E}">
+        <p14:creationId xmlns:p14="http://schemas.microsoft.com/office/powerpoint/2010/main" val="973416896"/>
+      </p:ext>
+    </p:extLst>
+  </p:cSld>
+  <p:clrMapOvr>
+    <a:masterClrMapping/>
+  </p:clrMapOvr>
+</p:sld>
+</file>
+
+<file path=ppt/slides/slide3.xml><?xml version="1.0" encoding="utf-8"?>
+<p:sld xmlns:a="http://schemas.openxmlformats.org/drawingml/2006/main" xmlns:r="http://schemas.openxmlformats.org/officeDocument/2006/relationships" xmlns:p="http://schemas.openxmlformats.org/presentationml/2006/main">
+  <p:cSld>
+    <p:spTree>
+      <p:nvGrpSpPr>
+        <p:cNvPr id="1" name=""/>
+        <p:cNvGrpSpPr/>
+        <p:nvPr/>
+      </p:nvGrpSpPr>
+      <p:grpSpPr>
+        <a:xfrm>
+          <a:off x="0" y="0"/>
+          <a:ext cx="0" cy="0"/>
+          <a:chOff x="0" y="0"/>
+          <a:chExt cx="0" cy="0"/>
+        </a:xfrm>
+      </p:grpSpPr>
+      <p:sp>
+        <p:nvSpPr>
+          <p:cNvPr id="5" name="Rectangle 4"/>
+          <p:cNvSpPr/>
+          <p:nvPr/>
+        </p:nvSpPr>
+        <p:spPr>
+          <a:xfrm>
+            <a:off x="0" y="515257"/>
+            <a:ext cx="1130300" cy="914400"/>
+          </a:xfrm>
+          <a:prstGeom prst="rect">
+            <a:avLst/>
+          </a:prstGeom>
+        </p:spPr>
+        <p:style>
+          <a:lnRef idx="2">
+            <a:schemeClr val="accent1">
+              <a:shade val="50000"/>
+            </a:schemeClr>
+          </a:lnRef>
+          <a:fillRef idx="1">
+            <a:schemeClr val="accent1"/>
+          </a:fillRef>
+          <a:effectRef idx="0">
+            <a:schemeClr val="accent1"/>
+          </a:effectRef>
+          <a:fontRef idx="minor">
+            <a:schemeClr val="lt1"/>
+          </a:fontRef>
+        </p:style>
+        <p:txBody>
+          <a:bodyPr rtlCol="0" anchor="ctr"/>
+          <a:lstStyle/>
+          <a:p>
+            <a:pPr algn="ctr"/>
+            <a:r>
+              <a:rPr lang="en-US" dirty="0" smtClean="0"/>
+              <a:t>Client Web Browser</a:t>
+            </a:r>
+            <a:endParaRPr lang="en-US" dirty="0"/>
+          </a:p>
+        </p:txBody>
+      </p:sp>
+      <p:sp>
+        <p:nvSpPr>
+          <p:cNvPr id="6" name="Rectangle 5"/>
+          <p:cNvSpPr/>
+          <p:nvPr/>
+        </p:nvSpPr>
+        <p:spPr>
+          <a:xfrm>
+            <a:off x="3378200" y="515257"/>
+            <a:ext cx="1549400" cy="914400"/>
+          </a:xfrm>
+          <a:prstGeom prst="rect">
+            <a:avLst/>
+          </a:prstGeom>
+        </p:spPr>
+        <p:style>
+          <a:lnRef idx="2">
+            <a:schemeClr val="accent1">
+              <a:shade val="50000"/>
+            </a:schemeClr>
+          </a:lnRef>
+          <a:fillRef idx="1">
+            <a:schemeClr val="accent1"/>
+          </a:fillRef>
+          <a:effectRef idx="0">
+            <a:schemeClr val="accent1"/>
+          </a:effectRef>
+          <a:fontRef idx="minor">
+            <a:schemeClr val="lt1"/>
+          </a:fontRef>
+        </p:style>
+        <p:txBody>
+          <a:bodyPr rtlCol="0" anchor="ctr"/>
+          <a:lstStyle/>
+          <a:p>
+            <a:pPr algn="ctr"/>
+            <a:r>
+              <a:rPr lang="en-US" dirty="0" smtClean="0"/>
+              <a:t>Web Server Running Node.js</a:t>
+            </a:r>
+            <a:endParaRPr lang="en-US" dirty="0"/>
+          </a:p>
+        </p:txBody>
+      </p:sp>
+      <p:cxnSp>
+        <p:nvCxnSpPr>
+          <p:cNvPr id="8" name="Straight Arrow Connector 7"/>
+          <p:cNvCxnSpPr/>
+          <p:nvPr/>
+        </p:nvCxnSpPr>
+        <p:spPr>
+          <a:xfrm flipH="1">
+            <a:off x="1130300" y="515257"/>
+            <a:ext cx="2184400" cy="0"/>
+          </a:xfrm>
+          <a:prstGeom prst="straightConnector1">
+            <a:avLst/>
+          </a:prstGeom>
+          <a:ln w="50800">
+            <a:headEnd type="none" w="lg" len="lg"/>
+            <a:tailEnd type="triangle" w="lg" len="lg"/>
+          </a:ln>
+        </p:spPr>
+        <p:style>
+          <a:lnRef idx="1">
+            <a:schemeClr val="accent1"/>
+          </a:lnRef>
+          <a:fillRef idx="0">
+            <a:schemeClr val="accent1"/>
+          </a:fillRef>
+          <a:effectRef idx="0">
+            <a:schemeClr val="accent1"/>
+          </a:effectRef>
+          <a:fontRef idx="minor">
+            <a:schemeClr val="tx1"/>
+          </a:fontRef>
+        </p:style>
+      </p:cxnSp>
+      <p:sp>
+        <p:nvSpPr>
+          <p:cNvPr id="10" name="TextBox 9"/>
+          <p:cNvSpPr txBox="1"/>
+          <p:nvPr/>
+        </p:nvSpPr>
+        <p:spPr>
+          <a:xfrm>
+            <a:off x="0" y="0"/>
+            <a:ext cx="4960653" cy="369332"/>
+          </a:xfrm>
+          <a:prstGeom prst="rect">
+            <a:avLst/>
+          </a:prstGeom>
+          <a:noFill/>
+        </p:spPr>
+        <p:txBody>
+          <a:bodyPr wrap="none" rtlCol="0">
+            <a:spAutoFit/>
+          </a:bodyPr>
+          <a:lstStyle/>
+          <a:p>
+            <a:r>
+              <a:rPr lang="en-US" dirty="0" smtClean="0"/>
+              <a:t>Individual location details downloaded as XML files</a:t>
+            </a:r>
+            <a:endParaRPr lang="en-US" dirty="0"/>
+          </a:p>
+        </p:txBody>
+      </p:sp>
+    </p:spTree>
+    <p:extLst>
+      <p:ext uri="{BB962C8B-B14F-4D97-AF65-F5344CB8AC3E}">
+        <p14:creationId xmlns:p14="http://schemas.microsoft.com/office/powerpoint/2010/main" val="3914144147"/>
+      </p:ext>
+    </p:extLst>
+  </p:cSld>
+  <p:clrMapOvr>
+    <a:masterClrMapping/>
+  </p:clrMapOvr>
+</p:sld>
+</file>
+
+<file path=ppt/slides/slide4.xml><?xml version="1.0" encoding="utf-8"?>
+<p:sld xmlns:a="http://schemas.openxmlformats.org/drawingml/2006/main" xmlns:r="http://schemas.openxmlformats.org/officeDocument/2006/relationships" xmlns:p="http://schemas.openxmlformats.org/presentationml/2006/main">
+  <p:cSld>
+    <p:spTree>
+      <p:nvGrpSpPr>
+        <p:cNvPr id="1" name=""/>
+        <p:cNvGrpSpPr/>
+        <p:nvPr/>
+      </p:nvGrpSpPr>
+      <p:grpSpPr>
+        <a:xfrm>
+          <a:off x="0" y="0"/>
+          <a:ext cx="0" cy="0"/>
+          <a:chOff x="0" y="0"/>
+          <a:chExt cx="0" cy="0"/>
+        </a:xfrm>
+      </p:grpSpPr>
+      <p:sp>
+        <p:nvSpPr>
+          <p:cNvPr id="5" name="Rectangle 4"/>
+          <p:cNvSpPr/>
+          <p:nvPr/>
+        </p:nvSpPr>
+        <p:spPr>
+          <a:xfrm>
+            <a:off x="0" y="515257"/>
+            <a:ext cx="1130300" cy="914400"/>
+          </a:xfrm>
+          <a:prstGeom prst="rect">
+            <a:avLst/>
+          </a:prstGeom>
+        </p:spPr>
+        <p:style>
+          <a:lnRef idx="2">
+            <a:schemeClr val="accent1">
+              <a:shade val="50000"/>
+            </a:schemeClr>
+          </a:lnRef>
+          <a:fillRef idx="1">
+            <a:schemeClr val="accent1"/>
+          </a:fillRef>
+          <a:effectRef idx="0">
+            <a:schemeClr val="accent1"/>
+          </a:effectRef>
+          <a:fontRef idx="minor">
+            <a:schemeClr val="lt1"/>
+          </a:fontRef>
+        </p:style>
+        <p:txBody>
+          <a:bodyPr rtlCol="0" anchor="ctr"/>
+          <a:lstStyle/>
+          <a:p>
+            <a:pPr algn="ctr"/>
+            <a:r>
+              <a:rPr lang="en-US" dirty="0" smtClean="0"/>
+              <a:t>Client Web Browser</a:t>
+            </a:r>
+            <a:endParaRPr lang="en-US" dirty="0"/>
+          </a:p>
+        </p:txBody>
+      </p:sp>
+      <p:sp>
+        <p:nvSpPr>
+          <p:cNvPr id="6" name="Rectangle 5"/>
+          <p:cNvSpPr/>
+          <p:nvPr/>
+        </p:nvSpPr>
+        <p:spPr>
+          <a:xfrm>
+            <a:off x="3378200" y="515257"/>
+            <a:ext cx="1549400" cy="914400"/>
+          </a:xfrm>
+          <a:prstGeom prst="rect">
+            <a:avLst/>
+          </a:prstGeom>
+        </p:spPr>
+        <p:style>
+          <a:lnRef idx="2">
+            <a:schemeClr val="accent1">
+              <a:shade val="50000"/>
+            </a:schemeClr>
+          </a:lnRef>
+          <a:fillRef idx="1">
+            <a:schemeClr val="accent1"/>
+          </a:fillRef>
+          <a:effectRef idx="0">
+            <a:schemeClr val="accent1"/>
+          </a:effectRef>
+          <a:fontRef idx="minor">
+            <a:schemeClr val="lt1"/>
+          </a:fontRef>
+        </p:style>
+        <p:txBody>
+          <a:bodyPr rtlCol="0" anchor="ctr"/>
+          <a:lstStyle/>
+          <a:p>
+            <a:pPr algn="ctr"/>
+            <a:r>
+              <a:rPr lang="en-US" dirty="0" smtClean="0"/>
+              <a:t>Web Server Running Node.js</a:t>
+            </a:r>
+            <a:endParaRPr lang="en-US" dirty="0"/>
+          </a:p>
+        </p:txBody>
+      </p:sp>
+      <p:cxnSp>
+        <p:nvCxnSpPr>
+          <p:cNvPr id="9" name="Straight Arrow Connector 8"/>
+          <p:cNvCxnSpPr/>
+          <p:nvPr/>
+        </p:nvCxnSpPr>
+        <p:spPr>
+          <a:xfrm flipH="1">
+            <a:off x="1130300" y="1429657"/>
+            <a:ext cx="2184400" cy="0"/>
+          </a:xfrm>
+          <a:prstGeom prst="straightConnector1">
+            <a:avLst/>
+          </a:prstGeom>
+          <a:ln w="50800">
+            <a:headEnd type="triangle" w="lg" len="lg"/>
+            <a:tailEnd type="none" w="lg" len="lg"/>
+          </a:ln>
+        </p:spPr>
+        <p:style>
+          <a:lnRef idx="1">
+            <a:schemeClr val="accent1"/>
+          </a:lnRef>
+          <a:fillRef idx="0">
+            <a:schemeClr val="accent1"/>
+          </a:fillRef>
+          <a:effectRef idx="0">
+            <a:schemeClr val="accent1"/>
+          </a:effectRef>
+          <a:fontRef idx="minor">
+            <a:schemeClr val="tx1"/>
+          </a:fontRef>
+        </p:style>
+      </p:cxnSp>
+      <p:sp>
+        <p:nvSpPr>
+          <p:cNvPr id="12" name="TextBox 11"/>
+          <p:cNvSpPr txBox="1"/>
+          <p:nvPr/>
+        </p:nvSpPr>
+        <p:spPr>
+          <a:xfrm>
+            <a:off x="336308" y="1575582"/>
+            <a:ext cx="4091633" cy="369332"/>
+          </a:xfrm>
+          <a:prstGeom prst="rect">
+            <a:avLst/>
+          </a:prstGeom>
+          <a:noFill/>
+        </p:spPr>
+        <p:txBody>
+          <a:bodyPr wrap="none" rtlCol="0">
+            <a:spAutoFit/>
+          </a:bodyPr>
+          <a:lstStyle/>
+          <a:p>
+            <a:r>
+              <a:rPr lang="en-US" dirty="0" smtClean="0"/>
+              <a:t>Client Uploads Data with POST web forms</a:t>
+            </a:r>
+            <a:endParaRPr lang="en-US" dirty="0"/>
+          </a:p>
+        </p:txBody>
+      </p:sp>
+    </p:spTree>
+    <p:extLst>
+      <p:ext uri="{BB962C8B-B14F-4D97-AF65-F5344CB8AC3E}">
+        <p14:creationId xmlns:p14="http://schemas.microsoft.com/office/powerpoint/2010/main" val="3112800573"/>
       </p:ext>
     </p:extLst>
   </p:cSld>
